--- a/files/BBD451 ENDSEM PRESENTATION VAIBHAV.pptx
+++ b/files/BBD451 ENDSEM PRESENTATION VAIBHAV.pptx
@@ -5,7 +5,7 @@
     <p:sldMasterId id="2147483648" r:id="rId1"/>
   </p:sldMasterIdLst>
   <p:notesMasterIdLst>
-    <p:notesMasterId r:id="rId15"/>
+    <p:notesMasterId r:id="rId16"/>
   </p:notesMasterIdLst>
   <p:sldIdLst>
     <p:sldId id="257" r:id="rId2"/>
@@ -16,11 +16,12 @@
     <p:sldId id="260" r:id="rId7"/>
     <p:sldId id="261" r:id="rId8"/>
     <p:sldId id="268" r:id="rId9"/>
-    <p:sldId id="262" r:id="rId10"/>
-    <p:sldId id="270" r:id="rId11"/>
-    <p:sldId id="269" r:id="rId12"/>
-    <p:sldId id="265" r:id="rId13"/>
-    <p:sldId id="264" r:id="rId14"/>
+    <p:sldId id="270" r:id="rId10"/>
+    <p:sldId id="271" r:id="rId11"/>
+    <p:sldId id="262" r:id="rId12"/>
+    <p:sldId id="269" r:id="rId13"/>
+    <p:sldId id="265" r:id="rId14"/>
+    <p:sldId id="264" r:id="rId15"/>
   </p:sldIdLst>
   <p:sldSz cx="12192000" cy="6858000"/>
   <p:notesSz cx="6858000" cy="9144000"/>
@@ -2709,7 +2710,7 @@
           <a:p>
             <a:r>
               <a:rPr lang="en-US" dirty="0"/>
-              <a:t>For the future plan for this project, we would want to incorporate more of the three discussed recycling processes as individual units and not in a black box, depending upon the various factors discussed during e-cadherin recycling we can develop  a model in which the three recycling processes occur on the basis of the current molecules present, whether that particular process was used last time , how fast we need the molecules on the cell surface and a number of other factors. Establishing a interplay between these recycling processes and finally creating a dynamic model showcasing the cluster formation of e-cadherin molecules with recycling</a:t>
+              <a:t>Let us now look at the results with the incorporated changes, as we can see in the above three cases shown, in each we have different exocytosis and endocytosis rate. Looking at Fig 4.1 where the endocytosis rate is equal to exocytosis we see similar movement and clustering of protein molecules for 10000 iterations of protein movement, which is the desired result. Now in the case when endocytosis rate is lesser than exocytosis rate we see an increase in number of protein molecules for both the cases as expected, due to more molecules being added back and in the final case when endocytosis rate is higher than exocytosis rate we start with 200 molecules to better grasp the reduction in protein molecules and as we can see the number of molecules reduce as time goes on for both the cases</a:t>
             </a:r>
           </a:p>
         </p:txBody>
@@ -2740,7 +2741,7 @@
     </p:spTree>
     <p:extLst>
       <p:ext uri="{BB962C8B-B14F-4D97-AF65-F5344CB8AC3E}">
-        <p14:creationId xmlns:p14="http://schemas.microsoft.com/office/powerpoint/2010/main" val="4243599972"/>
+        <p14:creationId xmlns:p14="http://schemas.microsoft.com/office/powerpoint/2010/main" val="2106965940"/>
       </p:ext>
     </p:extLst>
   </p:cSld>
@@ -2796,23 +2797,7 @@
           <a:p>
             <a:r>
               <a:rPr lang="en-US" dirty="0"/>
-              <a:t>Lastly I would like to thank to all these sources and research papers that helped me better understand this project, </a:t>
-            </a:r>
-            <a:r>
-              <a:rPr lang="en-US" dirty="0" err="1"/>
-              <a:t>alongwith</a:t>
-            </a:r>
-            <a:r>
-              <a:rPr lang="en-US" dirty="0"/>
-              <a:t> Radhika’s work which was a great starting point and Professor </a:t>
-            </a:r>
-            <a:r>
-              <a:rPr lang="en-US" dirty="0" err="1"/>
-              <a:t>amit</a:t>
-            </a:r>
-            <a:r>
-              <a:rPr lang="en-US" dirty="0"/>
-              <a:t> das for being my faculty mentor and guiding me throughout the whole project</a:t>
+              <a:t>For the future plan for this project, we would want to incorporate more of the three discussed recycling processes as individual units and not in a black box, depending upon the various factors discussed during e-cadherin recycling we can develop  a model in which the three recycling processes occur on the basis of the current molecules present, whether that particular process was used last time , how fast we need the molecules on the cell surface and a number of other factors. Establishing a interplay between these recycling processes and finally creating a dynamic model showcasing the cluster formation of e-cadherin molecules with recycling</a:t>
             </a:r>
           </a:p>
         </p:txBody>
@@ -2835,6 +2820,109 @@
             <a:fld id="{5ABA381A-21B5-8C41-9E2F-DECFAA728600}" type="slidenum">
               <a:rPr lang="en-US" smtClean="0"/>
               <a:t>12</a:t>
+            </a:fld>
+            <a:endParaRPr lang="en-US"/>
+          </a:p>
+        </p:txBody>
+      </p:sp>
+    </p:spTree>
+    <p:extLst>
+      <p:ext uri="{BB962C8B-B14F-4D97-AF65-F5344CB8AC3E}">
+        <p14:creationId xmlns:p14="http://schemas.microsoft.com/office/powerpoint/2010/main" val="4243599972"/>
+      </p:ext>
+    </p:extLst>
+  </p:cSld>
+  <p:clrMapOvr>
+    <a:masterClrMapping/>
+  </p:clrMapOvr>
+</p:notes>
+</file>
+
+<file path=ppt/notesSlides/notesSlide12.xml><?xml version="1.0" encoding="utf-8"?>
+<p:notes xmlns:a="http://schemas.openxmlformats.org/drawingml/2006/main" xmlns:r="http://schemas.openxmlformats.org/officeDocument/2006/relationships" xmlns:p="http://schemas.openxmlformats.org/presentationml/2006/main">
+  <p:cSld>
+    <p:spTree>
+      <p:nvGrpSpPr>
+        <p:cNvPr id="1" name=""/>
+        <p:cNvGrpSpPr/>
+        <p:nvPr/>
+      </p:nvGrpSpPr>
+      <p:grpSpPr>
+        <a:xfrm>
+          <a:off x="0" y="0"/>
+          <a:ext cx="0" cy="0"/>
+          <a:chOff x="0" y="0"/>
+          <a:chExt cx="0" cy="0"/>
+        </a:xfrm>
+      </p:grpSpPr>
+      <p:sp>
+        <p:nvSpPr>
+          <p:cNvPr id="2" name="Slide Image Placeholder 1"/>
+          <p:cNvSpPr>
+            <a:spLocks noGrp="1" noRot="1" noChangeAspect="1"/>
+          </p:cNvSpPr>
+          <p:nvPr>
+            <p:ph type="sldImg"/>
+          </p:nvPr>
+        </p:nvSpPr>
+        <p:spPr/>
+      </p:sp>
+      <p:sp>
+        <p:nvSpPr>
+          <p:cNvPr id="3" name="Notes Placeholder 2"/>
+          <p:cNvSpPr>
+            <a:spLocks noGrp="1"/>
+          </p:cNvSpPr>
+          <p:nvPr>
+            <p:ph type="body" idx="1"/>
+          </p:nvPr>
+        </p:nvSpPr>
+        <p:spPr/>
+        <p:txBody>
+          <a:bodyPr/>
+          <a:lstStyle/>
+          <a:p>
+            <a:r>
+              <a:rPr lang="en-US" dirty="0"/>
+              <a:t>Lastly I would like to thank to all these sources and research papers that helped me better understand this project, </a:t>
+            </a:r>
+            <a:r>
+              <a:rPr lang="en-US" dirty="0" err="1"/>
+              <a:t>alongwith</a:t>
+            </a:r>
+            <a:r>
+              <a:rPr lang="en-US" dirty="0"/>
+              <a:t> Radhika’s work which was a great starting point and Professor </a:t>
+            </a:r>
+            <a:r>
+              <a:rPr lang="en-US" dirty="0" err="1"/>
+              <a:t>amit</a:t>
+            </a:r>
+            <a:r>
+              <a:rPr lang="en-US" dirty="0"/>
+              <a:t> das for being my faculty mentor and guiding me throughout the whole project</a:t>
+            </a:r>
+          </a:p>
+        </p:txBody>
+      </p:sp>
+      <p:sp>
+        <p:nvSpPr>
+          <p:cNvPr id="4" name="Slide Number Placeholder 3"/>
+          <p:cNvSpPr>
+            <a:spLocks noGrp="1"/>
+          </p:cNvSpPr>
+          <p:nvPr>
+            <p:ph type="sldNum" sz="quarter" idx="5"/>
+          </p:nvPr>
+        </p:nvSpPr>
+        <p:spPr/>
+        <p:txBody>
+          <a:bodyPr/>
+          <a:lstStyle/>
+          <a:p>
+            <a:fld id="{5ABA381A-21B5-8C41-9E2F-DECFAA728600}" type="slidenum">
+              <a:rPr lang="en-US" smtClean="0"/>
+              <a:t>13</a:t>
             </a:fld>
             <a:endParaRPr lang="en-US"/>
           </a:p>
@@ -4087,7 +4175,7 @@
     </p:spTree>
     <p:extLst>
       <p:ext uri="{BB962C8B-B14F-4D97-AF65-F5344CB8AC3E}">
-        <p14:creationId xmlns:p14="http://schemas.microsoft.com/office/powerpoint/2010/main" val="2106965940"/>
+        <p14:creationId xmlns:p14="http://schemas.microsoft.com/office/powerpoint/2010/main" val="3334588539"/>
       </p:ext>
     </p:extLst>
   </p:cSld>
@@ -4174,7 +4262,7 @@
     </p:spTree>
     <p:extLst>
       <p:ext uri="{BB962C8B-B14F-4D97-AF65-F5344CB8AC3E}">
-        <p14:creationId xmlns:p14="http://schemas.microsoft.com/office/powerpoint/2010/main" val="3334588539"/>
+        <p14:creationId xmlns:p14="http://schemas.microsoft.com/office/powerpoint/2010/main" val="3018599091"/>
       </p:ext>
     </p:extLst>
   </p:cSld>
@@ -8042,6 +8130,36 @@
           <a:chExt cx="0" cy="0"/>
         </a:xfrm>
       </p:grpSpPr>
+      <p:pic>
+        <p:nvPicPr>
+          <p:cNvPr id="45" name="Picture 44" descr="A graph of a graph&#10;&#10;Description automatically generated">
+            <a:extLst>
+              <a:ext uri="{FF2B5EF4-FFF2-40B4-BE49-F238E27FC236}">
+                <a16:creationId xmlns:a16="http://schemas.microsoft.com/office/drawing/2014/main" id="{8967D65B-5E45-8BA9-86B1-B138847BA4C8}"/>
+              </a:ext>
+            </a:extLst>
+          </p:cNvPr>
+          <p:cNvPicPr>
+            <a:picLocks noChangeAspect="1"/>
+          </p:cNvPicPr>
+          <p:nvPr/>
+        </p:nvPicPr>
+        <p:blipFill>
+          <a:blip r:embed="rId3"/>
+          <a:stretch>
+            <a:fillRect/>
+          </a:stretch>
+        </p:blipFill>
+        <p:spPr>
+          <a:xfrm>
+            <a:off x="613485" y="1213393"/>
+            <a:ext cx="4776933" cy="2457631"/>
+          </a:xfrm>
+          <a:prstGeom prst="rect">
+            <a:avLst/>
+          </a:prstGeom>
+        </p:spPr>
+      </p:pic>
       <p:sp>
         <p:nvSpPr>
           <p:cNvPr id="2" name="Title 1">
@@ -8109,10 +8227,563 @@
           </a:p>
         </p:txBody>
       </p:sp>
+      <p:sp>
+        <p:nvSpPr>
+          <p:cNvPr id="16" name="TextBox 15">
+            <a:extLst>
+              <a:ext uri="{FF2B5EF4-FFF2-40B4-BE49-F238E27FC236}">
+                <a16:creationId xmlns:a16="http://schemas.microsoft.com/office/drawing/2014/main" id="{FDDAE215-FBEE-474E-7664-27EEC187B7C2}"/>
+              </a:ext>
+            </a:extLst>
+          </p:cNvPr>
+          <p:cNvSpPr txBox="1"/>
+          <p:nvPr/>
+        </p:nvSpPr>
+        <p:spPr>
+          <a:xfrm>
+            <a:off x="5094091" y="894340"/>
+            <a:ext cx="2007024" cy="369332"/>
+          </a:xfrm>
+          <a:prstGeom prst="rect">
+            <a:avLst/>
+          </a:prstGeom>
+          <a:noFill/>
+        </p:spPr>
+        <p:txBody>
+          <a:bodyPr wrap="none" rtlCol="0">
+            <a:spAutoFit/>
+          </a:bodyPr>
+          <a:lstStyle/>
+          <a:p>
+            <a:r>
+              <a:rPr lang="en-US" dirty="0"/>
+              <a:t>RabX1 vs Wild Type</a:t>
+            </a:r>
+          </a:p>
+        </p:txBody>
+      </p:sp>
+      <p:grpSp>
+        <p:nvGrpSpPr>
+          <p:cNvPr id="22" name="Group 21">
+            <a:extLst>
+              <a:ext uri="{FF2B5EF4-FFF2-40B4-BE49-F238E27FC236}">
+                <a16:creationId xmlns:a16="http://schemas.microsoft.com/office/drawing/2014/main" id="{8E541F4F-4614-D353-DC7F-3F7AD3115F1F}"/>
+              </a:ext>
+            </a:extLst>
+          </p:cNvPr>
+          <p:cNvGrpSpPr/>
+          <p:nvPr/>
+        </p:nvGrpSpPr>
+        <p:grpSpPr>
+          <a:xfrm>
+            <a:off x="571105" y="1338199"/>
+            <a:ext cx="11367486" cy="2954099"/>
+            <a:chOff x="709328" y="1894135"/>
+            <a:chExt cx="11367486" cy="2954099"/>
+          </a:xfrm>
+        </p:grpSpPr>
+        <p:sp>
+          <p:nvSpPr>
+            <p:cNvPr id="9" name="TextBox 8">
+              <a:extLst>
+                <a:ext uri="{FF2B5EF4-FFF2-40B4-BE49-F238E27FC236}">
+                  <a16:creationId xmlns:a16="http://schemas.microsoft.com/office/drawing/2014/main" id="{40932D2B-4022-CAEF-EB12-42A7AD828F5A}"/>
+                </a:ext>
+              </a:extLst>
+            </p:cNvPr>
+            <p:cNvSpPr txBox="1"/>
+            <p:nvPr/>
+          </p:nvSpPr>
+          <p:spPr>
+            <a:xfrm>
+              <a:off x="709328" y="4325200"/>
+              <a:ext cx="5386672" cy="523034"/>
+            </a:xfrm>
+            <a:prstGeom prst="rect">
+              <a:avLst/>
+            </a:prstGeom>
+            <a:noFill/>
+          </p:spPr>
+          <p:txBody>
+            <a:bodyPr wrap="square" rtlCol="0">
+              <a:spAutoFit/>
+            </a:bodyPr>
+            <a:lstStyle/>
+            <a:p>
+              <a:r>
+                <a:rPr lang="en-IN" sz="1400" dirty="0">
+                  <a:effectLst/>
+                  <a:ea typeface="Times New Roman" panose="02020603050405020304" pitchFamily="18" charset="0"/>
+                </a:rPr>
+                <a:t>Fig 4.4  Depicting E cad molecules on cell surface of Mutant RabX1</a:t>
+              </a:r>
+            </a:p>
+            <a:p>
+              <a:endParaRPr lang="en-US" sz="1400" dirty="0"/>
+            </a:p>
+          </p:txBody>
+        </p:sp>
+        <p:grpSp>
+          <p:nvGrpSpPr>
+            <p:cNvPr id="5" name="Group 4">
+              <a:extLst>
+                <a:ext uri="{FF2B5EF4-FFF2-40B4-BE49-F238E27FC236}">
+                  <a16:creationId xmlns:a16="http://schemas.microsoft.com/office/drawing/2014/main" id="{7EEEB947-F16B-3E5A-4F04-52A28B3949D0}"/>
+                </a:ext>
+              </a:extLst>
+            </p:cNvPr>
+            <p:cNvGrpSpPr/>
+            <p:nvPr/>
+          </p:nvGrpSpPr>
+          <p:grpSpPr>
+            <a:xfrm>
+              <a:off x="6690142" y="1894135"/>
+              <a:ext cx="5386672" cy="2954099"/>
+              <a:chOff x="3267320" y="3868007"/>
+              <a:chExt cx="5386672" cy="2954099"/>
+            </a:xfrm>
+          </p:grpSpPr>
+          <p:pic>
+            <p:nvPicPr>
+              <p:cNvPr id="13" name="Picture 12">
+                <a:extLst>
+                  <a:ext uri="{FF2B5EF4-FFF2-40B4-BE49-F238E27FC236}">
+                    <a16:creationId xmlns:a16="http://schemas.microsoft.com/office/drawing/2014/main" id="{D0F29084-BC8F-036E-DDC1-4E0821B8E011}"/>
+                  </a:ext>
+                </a:extLst>
+              </p:cNvPr>
+              <p:cNvPicPr>
+                <a:picLocks noChangeAspect="1"/>
+              </p:cNvPicPr>
+              <p:nvPr/>
+            </p:nvPicPr>
+            <p:blipFill>
+              <a:blip r:embed="rId4" cstate="print">
+                <a:extLst>
+                  <a:ext uri="{28A0092B-C50C-407E-A947-70E740481C1C}">
+                    <a14:useLocalDpi xmlns:a14="http://schemas.microsoft.com/office/drawing/2010/main" val="0"/>
+                  </a:ext>
+                </a:extLst>
+              </a:blip>
+              <a:stretch>
+                <a:fillRect/>
+              </a:stretch>
+            </p:blipFill>
+            <p:spPr>
+              <a:xfrm>
+                <a:off x="3267320" y="3868007"/>
+                <a:ext cx="4776933" cy="2457797"/>
+              </a:xfrm>
+              <a:prstGeom prst="rect">
+                <a:avLst/>
+              </a:prstGeom>
+            </p:spPr>
+          </p:pic>
+          <p:sp>
+            <p:nvSpPr>
+              <p:cNvPr id="15" name="TextBox 14">
+                <a:extLst>
+                  <a:ext uri="{FF2B5EF4-FFF2-40B4-BE49-F238E27FC236}">
+                    <a16:creationId xmlns:a16="http://schemas.microsoft.com/office/drawing/2014/main" id="{C779B415-99E8-108C-5A87-F0840377BB11}"/>
+                  </a:ext>
+                </a:extLst>
+              </p:cNvPr>
+              <p:cNvSpPr txBox="1"/>
+              <p:nvPr/>
+            </p:nvSpPr>
+            <p:spPr>
+              <a:xfrm>
+                <a:off x="3267320" y="6299072"/>
+                <a:ext cx="5386672" cy="523034"/>
+              </a:xfrm>
+              <a:prstGeom prst="rect">
+                <a:avLst/>
+              </a:prstGeom>
+              <a:noFill/>
+            </p:spPr>
+            <p:txBody>
+              <a:bodyPr wrap="square" rtlCol="0">
+                <a:spAutoFit/>
+              </a:bodyPr>
+              <a:lstStyle/>
+              <a:p>
+                <a:r>
+                  <a:rPr lang="en-IN" sz="1400" dirty="0">
+                    <a:effectLst/>
+                    <a:ea typeface="Times New Roman" panose="02020603050405020304" pitchFamily="18" charset="0"/>
+                  </a:rPr>
+                  <a:t>Fig 4.5  Depicting E cad molecules on cell surface of Wild Type</a:t>
+                </a:r>
+              </a:p>
+              <a:p>
+                <a:endParaRPr lang="en-US" sz="1400" dirty="0"/>
+              </a:p>
+            </p:txBody>
+          </p:sp>
+        </p:grpSp>
+        <p:sp>
+          <p:nvSpPr>
+            <p:cNvPr id="18" name="Oval 17">
+              <a:extLst>
+                <a:ext uri="{FF2B5EF4-FFF2-40B4-BE49-F238E27FC236}">
+                  <a16:creationId xmlns:a16="http://schemas.microsoft.com/office/drawing/2014/main" id="{55342AD4-9FDC-42B9-0663-BAF2B784E42D}"/>
+                </a:ext>
+              </a:extLst>
+            </p:cNvPr>
+            <p:cNvSpPr/>
+            <p:nvPr/>
+          </p:nvSpPr>
+          <p:spPr>
+            <a:xfrm>
+              <a:off x="1874925" y="2752919"/>
+              <a:ext cx="370114" cy="370114"/>
+            </a:xfrm>
+            <a:prstGeom prst="ellipse">
+              <a:avLst/>
+            </a:prstGeom>
+            <a:noFill/>
+            <a:ln>
+              <a:solidFill>
+                <a:srgbClr val="7030A0"/>
+              </a:solidFill>
+            </a:ln>
+          </p:spPr>
+          <p:style>
+            <a:lnRef idx="2">
+              <a:schemeClr val="accent1">
+                <a:shade val="15000"/>
+              </a:schemeClr>
+            </a:lnRef>
+            <a:fillRef idx="1">
+              <a:schemeClr val="accent1"/>
+            </a:fillRef>
+            <a:effectRef idx="0">
+              <a:schemeClr val="accent1"/>
+            </a:effectRef>
+            <a:fontRef idx="minor">
+              <a:schemeClr val="lt1"/>
+            </a:fontRef>
+          </p:style>
+          <p:txBody>
+            <a:bodyPr rtlCol="0" anchor="ctr"/>
+            <a:lstStyle/>
+            <a:p>
+              <a:pPr algn="ctr"/>
+              <a:endParaRPr lang="en-US"/>
+            </a:p>
+          </p:txBody>
+        </p:sp>
+      </p:grpSp>
+      <p:pic>
+        <p:nvPicPr>
+          <p:cNvPr id="24" name="Picture 23" descr="A graph of a line graph&#10;&#10;Description automatically generated">
+            <a:extLst>
+              <a:ext uri="{FF2B5EF4-FFF2-40B4-BE49-F238E27FC236}">
+                <a16:creationId xmlns:a16="http://schemas.microsoft.com/office/drawing/2014/main" id="{3BF82E2D-C924-96DD-10B7-1B5A6BD5D8B6}"/>
+              </a:ext>
+            </a:extLst>
+          </p:cNvPr>
+          <p:cNvPicPr>
+            <a:picLocks noChangeAspect="1"/>
+          </p:cNvPicPr>
+          <p:nvPr/>
+        </p:nvPicPr>
+        <p:blipFill>
+          <a:blip r:embed="rId5"/>
+          <a:stretch>
+            <a:fillRect/>
+          </a:stretch>
+        </p:blipFill>
+        <p:spPr>
+          <a:xfrm>
+            <a:off x="3346483" y="4030781"/>
+            <a:ext cx="4995368" cy="2570010"/>
+          </a:xfrm>
+          <a:prstGeom prst="rect">
+            <a:avLst/>
+          </a:prstGeom>
+        </p:spPr>
+      </p:pic>
+      <p:sp>
+        <p:nvSpPr>
+          <p:cNvPr id="25" name="TextBox 24">
+            <a:extLst>
+              <a:ext uri="{FF2B5EF4-FFF2-40B4-BE49-F238E27FC236}">
+                <a16:creationId xmlns:a16="http://schemas.microsoft.com/office/drawing/2014/main" id="{9DA03013-A93D-5B9F-901F-33EB9511B0F4}"/>
+              </a:ext>
+            </a:extLst>
+          </p:cNvPr>
+          <p:cNvSpPr txBox="1"/>
+          <p:nvPr/>
+        </p:nvSpPr>
+        <p:spPr>
+          <a:xfrm>
+            <a:off x="3264441" y="6461846"/>
+            <a:ext cx="5386672" cy="523034"/>
+          </a:xfrm>
+          <a:prstGeom prst="rect">
+            <a:avLst/>
+          </a:prstGeom>
+          <a:noFill/>
+        </p:spPr>
+        <p:txBody>
+          <a:bodyPr wrap="square" rtlCol="0">
+            <a:spAutoFit/>
+          </a:bodyPr>
+          <a:lstStyle/>
+          <a:p>
+            <a:r>
+              <a:rPr lang="en-IN" sz="1400" dirty="0">
+                <a:effectLst/>
+                <a:ea typeface="Times New Roman" panose="02020603050405020304" pitchFamily="18" charset="0"/>
+              </a:rPr>
+              <a:t>Fig 4.6  Depicting E cad molecules on cell surface of Mutant RabX1</a:t>
+            </a:r>
+          </a:p>
+          <a:p>
+            <a:endParaRPr lang="en-US" sz="1400" dirty="0"/>
+          </a:p>
+        </p:txBody>
+      </p:sp>
+      <p:cxnSp>
+        <p:nvCxnSpPr>
+          <p:cNvPr id="27" name="Straight Arrow Connector 26">
+            <a:extLst>
+              <a:ext uri="{FF2B5EF4-FFF2-40B4-BE49-F238E27FC236}">
+                <a16:creationId xmlns:a16="http://schemas.microsoft.com/office/drawing/2014/main" id="{2DDB6340-F1BC-3994-B9F9-F3F537EB9FC5}"/>
+              </a:ext>
+            </a:extLst>
+          </p:cNvPr>
+          <p:cNvCxnSpPr>
+            <a:cxnSpLocks/>
+          </p:cNvCxnSpPr>
+          <p:nvPr/>
+        </p:nvCxnSpPr>
+        <p:spPr>
+          <a:xfrm>
+            <a:off x="1736702" y="2445789"/>
+            <a:ext cx="2268139" cy="3202657"/>
+          </a:xfrm>
+          <a:prstGeom prst="straightConnector1">
+            <a:avLst/>
+          </a:prstGeom>
+          <a:ln>
+            <a:solidFill>
+              <a:srgbClr val="7030A0"/>
+            </a:solidFill>
+            <a:tailEnd type="triangle"/>
+          </a:ln>
+        </p:spPr>
+        <p:style>
+          <a:lnRef idx="1">
+            <a:schemeClr val="accent1"/>
+          </a:lnRef>
+          <a:fillRef idx="0">
+            <a:schemeClr val="accent1"/>
+          </a:fillRef>
+          <a:effectRef idx="0">
+            <a:schemeClr val="accent1"/>
+          </a:effectRef>
+          <a:fontRef idx="minor">
+            <a:schemeClr val="tx1"/>
+          </a:fontRef>
+        </p:style>
+      </p:cxnSp>
+      <p:cxnSp>
+        <p:nvCxnSpPr>
+          <p:cNvPr id="36" name="Straight Arrow Connector 35">
+            <a:extLst>
+              <a:ext uri="{FF2B5EF4-FFF2-40B4-BE49-F238E27FC236}">
+                <a16:creationId xmlns:a16="http://schemas.microsoft.com/office/drawing/2014/main" id="{FFC0CB03-244F-53C5-DC94-BA0B4535126A}"/>
+              </a:ext>
+            </a:extLst>
+          </p:cNvPr>
+          <p:cNvCxnSpPr>
+            <a:cxnSpLocks/>
+            <a:stCxn id="18" idx="6"/>
+          </p:cNvCxnSpPr>
+          <p:nvPr/>
+        </p:nvCxnSpPr>
+        <p:spPr>
+          <a:xfrm>
+            <a:off x="2106816" y="2382040"/>
+            <a:ext cx="5785327" cy="3452703"/>
+          </a:xfrm>
+          <a:prstGeom prst="straightConnector1">
+            <a:avLst/>
+          </a:prstGeom>
+          <a:ln>
+            <a:solidFill>
+              <a:srgbClr val="7030A0"/>
+            </a:solidFill>
+            <a:tailEnd type="triangle"/>
+          </a:ln>
+        </p:spPr>
+        <p:style>
+          <a:lnRef idx="1">
+            <a:schemeClr val="accent1"/>
+          </a:lnRef>
+          <a:fillRef idx="0">
+            <a:schemeClr val="accent1"/>
+          </a:fillRef>
+          <a:effectRef idx="0">
+            <a:schemeClr val="accent1"/>
+          </a:effectRef>
+          <a:fontRef idx="minor">
+            <a:schemeClr val="tx1"/>
+          </a:fontRef>
+        </p:style>
+      </p:cxnSp>
+      <p:cxnSp>
+        <p:nvCxnSpPr>
+          <p:cNvPr id="40" name="Straight Arrow Connector 39">
+            <a:extLst>
+              <a:ext uri="{FF2B5EF4-FFF2-40B4-BE49-F238E27FC236}">
+                <a16:creationId xmlns:a16="http://schemas.microsoft.com/office/drawing/2014/main" id="{7FA8EF1C-8CB5-2131-557B-D4D2C491EF30}"/>
+              </a:ext>
+            </a:extLst>
+          </p:cNvPr>
+          <p:cNvCxnSpPr>
+            <a:cxnSpLocks/>
+          </p:cNvCxnSpPr>
+          <p:nvPr/>
+        </p:nvCxnSpPr>
+        <p:spPr>
+          <a:xfrm flipH="1">
+            <a:off x="3897086" y="2553732"/>
+            <a:ext cx="4074651" cy="2442811"/>
+          </a:xfrm>
+          <a:prstGeom prst="straightConnector1">
+            <a:avLst/>
+          </a:prstGeom>
+          <a:ln>
+            <a:solidFill>
+              <a:schemeClr val="bg1">
+                <a:lumMod val="50000"/>
+              </a:schemeClr>
+            </a:solidFill>
+            <a:tailEnd type="triangle"/>
+          </a:ln>
+        </p:spPr>
+        <p:style>
+          <a:lnRef idx="1">
+            <a:schemeClr val="accent1"/>
+          </a:lnRef>
+          <a:fillRef idx="0">
+            <a:schemeClr val="accent1"/>
+          </a:fillRef>
+          <a:effectRef idx="0">
+            <a:schemeClr val="accent1"/>
+          </a:effectRef>
+          <a:fontRef idx="minor">
+            <a:schemeClr val="tx1"/>
+          </a:fontRef>
+        </p:style>
+      </p:cxnSp>
+      <p:cxnSp>
+        <p:nvCxnSpPr>
+          <p:cNvPr id="42" name="Straight Arrow Connector 41">
+            <a:extLst>
+              <a:ext uri="{FF2B5EF4-FFF2-40B4-BE49-F238E27FC236}">
+                <a16:creationId xmlns:a16="http://schemas.microsoft.com/office/drawing/2014/main" id="{704329EF-2FF7-7051-7EE4-E1DE7887C434}"/>
+              </a:ext>
+            </a:extLst>
+          </p:cNvPr>
+          <p:cNvCxnSpPr>
+            <a:cxnSpLocks/>
+          </p:cNvCxnSpPr>
+          <p:nvPr/>
+        </p:nvCxnSpPr>
+        <p:spPr>
+          <a:xfrm flipH="1">
+            <a:off x="7815943" y="2553732"/>
+            <a:ext cx="525908" cy="2061811"/>
+          </a:xfrm>
+          <a:prstGeom prst="straightConnector1">
+            <a:avLst/>
+          </a:prstGeom>
+          <a:ln>
+            <a:solidFill>
+              <a:schemeClr val="bg1">
+                <a:lumMod val="50000"/>
+              </a:schemeClr>
+            </a:solidFill>
+            <a:tailEnd type="triangle"/>
+          </a:ln>
+        </p:spPr>
+        <p:style>
+          <a:lnRef idx="1">
+            <a:schemeClr val="accent1"/>
+          </a:lnRef>
+          <a:fillRef idx="0">
+            <a:schemeClr val="accent1"/>
+          </a:fillRef>
+          <a:effectRef idx="0">
+            <a:schemeClr val="accent1"/>
+          </a:effectRef>
+          <a:fontRef idx="minor">
+            <a:schemeClr val="tx1"/>
+          </a:fontRef>
+        </p:style>
+      </p:cxnSp>
+      <p:sp>
+        <p:nvSpPr>
+          <p:cNvPr id="43" name="Oval 42">
+            <a:extLst>
+              <a:ext uri="{FF2B5EF4-FFF2-40B4-BE49-F238E27FC236}">
+                <a16:creationId xmlns:a16="http://schemas.microsoft.com/office/drawing/2014/main" id="{4610E1D8-95C6-F989-FCC0-C56E30D684E8}"/>
+              </a:ext>
+            </a:extLst>
+          </p:cNvPr>
+          <p:cNvSpPr/>
+          <p:nvPr/>
+        </p:nvSpPr>
+        <p:spPr>
+          <a:xfrm>
+            <a:off x="7971737" y="2307771"/>
+            <a:ext cx="370114" cy="391886"/>
+          </a:xfrm>
+          <a:prstGeom prst="ellipse">
+            <a:avLst/>
+          </a:prstGeom>
+          <a:noFill/>
+          <a:ln>
+            <a:solidFill>
+              <a:schemeClr val="bg1">
+                <a:lumMod val="50000"/>
+              </a:schemeClr>
+            </a:solidFill>
+          </a:ln>
+        </p:spPr>
+        <p:style>
+          <a:lnRef idx="2">
+            <a:schemeClr val="accent1">
+              <a:shade val="15000"/>
+            </a:schemeClr>
+          </a:lnRef>
+          <a:fillRef idx="1">
+            <a:schemeClr val="accent1"/>
+          </a:fillRef>
+          <a:effectRef idx="0">
+            <a:schemeClr val="accent1"/>
+          </a:effectRef>
+          <a:fontRef idx="minor">
+            <a:schemeClr val="lt1"/>
+          </a:fontRef>
+        </p:style>
+        <p:txBody>
+          <a:bodyPr rtlCol="0" anchor="ctr"/>
+          <a:lstStyle/>
+          <a:p>
+            <a:pPr algn="ctr"/>
+            <a:endParaRPr lang="en-US"/>
+          </a:p>
+        </p:txBody>
+      </p:sp>
     </p:spTree>
     <p:extLst>
       <p:ext uri="{BB962C8B-B14F-4D97-AF65-F5344CB8AC3E}">
-        <p14:creationId xmlns:p14="http://schemas.microsoft.com/office/powerpoint/2010/main" val="522429758"/>
+        <p14:creationId xmlns:p14="http://schemas.microsoft.com/office/powerpoint/2010/main" val="1683526249"/>
       </p:ext>
     </p:extLst>
   </p:cSld>
@@ -8123,6 +8794,217 @@
 </file>
 
 <file path=ppt/slides/slide11.xml><?xml version="1.0" encoding="utf-8"?>
+<p:sld xmlns:a="http://schemas.openxmlformats.org/drawingml/2006/main" xmlns:r="http://schemas.openxmlformats.org/officeDocument/2006/relationships" xmlns:p="http://schemas.openxmlformats.org/presentationml/2006/main">
+  <p:cSld>
+    <p:spTree>
+      <p:nvGrpSpPr>
+        <p:cNvPr id="1" name=""/>
+        <p:cNvGrpSpPr/>
+        <p:nvPr/>
+      </p:nvGrpSpPr>
+      <p:grpSpPr>
+        <a:xfrm>
+          <a:off x="0" y="0"/>
+          <a:ext cx="0" cy="0"/>
+          <a:chOff x="0" y="0"/>
+          <a:chExt cx="0" cy="0"/>
+        </a:xfrm>
+      </p:grpSpPr>
+      <p:sp>
+        <p:nvSpPr>
+          <p:cNvPr id="2" name="Title 1">
+            <a:extLst>
+              <a:ext uri="{FF2B5EF4-FFF2-40B4-BE49-F238E27FC236}">
+                <a16:creationId xmlns:a16="http://schemas.microsoft.com/office/drawing/2014/main" id="{E072AF1F-EFA3-8587-D123-1F8F7420FB99}"/>
+              </a:ext>
+            </a:extLst>
+          </p:cNvPr>
+          <p:cNvSpPr>
+            <a:spLocks noGrp="1"/>
+          </p:cNvSpPr>
+          <p:nvPr>
+            <p:ph type="title"/>
+          </p:nvPr>
+        </p:nvSpPr>
+        <p:spPr>
+          <a:xfrm>
+            <a:off x="3267320" y="164274"/>
+            <a:ext cx="6346371" cy="816429"/>
+          </a:xfrm>
+        </p:spPr>
+        <p:txBody>
+          <a:bodyPr>
+            <a:normAutofit/>
+          </a:bodyPr>
+          <a:lstStyle/>
+          <a:p>
+            <a:r>
+              <a:rPr lang="en-US" b="1" dirty="0"/>
+              <a:t>RESULTS AND DISCUSSION</a:t>
+            </a:r>
+          </a:p>
+        </p:txBody>
+      </p:sp>
+      <p:sp>
+        <p:nvSpPr>
+          <p:cNvPr id="3" name="TextBox 2">
+            <a:extLst>
+              <a:ext uri="{FF2B5EF4-FFF2-40B4-BE49-F238E27FC236}">
+                <a16:creationId xmlns:a16="http://schemas.microsoft.com/office/drawing/2014/main" id="{E8753F67-BFF9-763F-5E54-5B33C90A94B8}"/>
+              </a:ext>
+            </a:extLst>
+          </p:cNvPr>
+          <p:cNvSpPr txBox="1"/>
+          <p:nvPr/>
+        </p:nvSpPr>
+        <p:spPr>
+          <a:xfrm>
+            <a:off x="1376624" y="341644"/>
+            <a:ext cx="184731" cy="369332"/>
+          </a:xfrm>
+          <a:prstGeom prst="rect">
+            <a:avLst/>
+          </a:prstGeom>
+          <a:noFill/>
+        </p:spPr>
+        <p:txBody>
+          <a:bodyPr wrap="none" rtlCol="0">
+            <a:spAutoFit/>
+          </a:bodyPr>
+          <a:lstStyle/>
+          <a:p>
+            <a:endParaRPr lang="en-US"/>
+          </a:p>
+        </p:txBody>
+      </p:sp>
+      <p:grpSp>
+        <p:nvGrpSpPr>
+          <p:cNvPr id="21" name="Group 20">
+            <a:extLst>
+              <a:ext uri="{FF2B5EF4-FFF2-40B4-BE49-F238E27FC236}">
+                <a16:creationId xmlns:a16="http://schemas.microsoft.com/office/drawing/2014/main" id="{40C84280-0A19-6520-DB6B-E19E1E7A84EC}"/>
+              </a:ext>
+            </a:extLst>
+          </p:cNvPr>
+          <p:cNvGrpSpPr/>
+          <p:nvPr/>
+        </p:nvGrpSpPr>
+        <p:grpSpPr>
+          <a:xfrm>
+            <a:off x="3065587" y="910193"/>
+            <a:ext cx="6060826" cy="5037614"/>
+            <a:chOff x="1468989" y="980703"/>
+            <a:chExt cx="6060826" cy="5037614"/>
+          </a:xfrm>
+        </p:grpSpPr>
+        <p:pic>
+          <p:nvPicPr>
+            <p:cNvPr id="19" name="Picture 18" descr="A graph of a graph of efficiency&#10;&#10;Description automatically generated with medium confidence">
+              <a:extLst>
+                <a:ext uri="{FF2B5EF4-FFF2-40B4-BE49-F238E27FC236}">
+                  <a16:creationId xmlns:a16="http://schemas.microsoft.com/office/drawing/2014/main" id="{46E8AD75-BAC2-EA62-E103-A970B9E721B6}"/>
+                </a:ext>
+              </a:extLst>
+            </p:cNvPr>
+            <p:cNvPicPr>
+              <a:picLocks noChangeAspect="1"/>
+            </p:cNvPicPr>
+            <p:nvPr/>
+          </p:nvPicPr>
+          <p:blipFill>
+            <a:blip r:embed="rId3">
+              <a:extLst>
+                <a:ext uri="{28A0092B-C50C-407E-A947-70E740481C1C}">
+                  <a14:useLocalDpi xmlns:a14="http://schemas.microsoft.com/office/drawing/2010/main" val="0"/>
+                </a:ext>
+              </a:extLst>
+            </a:blip>
+            <a:stretch>
+              <a:fillRect/>
+            </a:stretch>
+          </p:blipFill>
+          <p:spPr>
+            <a:xfrm>
+              <a:off x="1633647" y="980703"/>
+              <a:ext cx="5731510" cy="4298950"/>
+            </a:xfrm>
+            <a:prstGeom prst="rect">
+              <a:avLst/>
+            </a:prstGeom>
+          </p:spPr>
+        </p:pic>
+        <p:sp>
+          <p:nvSpPr>
+            <p:cNvPr id="20" name="TextBox 19">
+              <a:extLst>
+                <a:ext uri="{FF2B5EF4-FFF2-40B4-BE49-F238E27FC236}">
+                  <a16:creationId xmlns:a16="http://schemas.microsoft.com/office/drawing/2014/main" id="{F065D0BD-1222-24A2-9384-8AFF06FB2E28}"/>
+                </a:ext>
+              </a:extLst>
+            </p:cNvPr>
+            <p:cNvSpPr txBox="1"/>
+            <p:nvPr/>
+          </p:nvSpPr>
+          <p:spPr>
+            <a:xfrm>
+              <a:off x="1468989" y="5279653"/>
+              <a:ext cx="6060826" cy="738664"/>
+            </a:xfrm>
+            <a:prstGeom prst="rect">
+              <a:avLst/>
+            </a:prstGeom>
+            <a:noFill/>
+          </p:spPr>
+          <p:txBody>
+            <a:bodyPr wrap="none" rtlCol="0">
+              <a:spAutoFit/>
+            </a:bodyPr>
+            <a:lstStyle/>
+            <a:p>
+              <a:pPr algn="ctr"/>
+              <a:r>
+                <a:rPr lang="en-US" sz="1400" dirty="0"/>
+                <a:t>Fig: 4.7 </a:t>
+              </a:r>
+              <a:r>
+                <a:rPr lang="en-IN" sz="1400" dirty="0">
+                  <a:effectLst/>
+                  <a:ea typeface="Times New Roman" panose="02020603050405020304" pitchFamily="18" charset="0"/>
+                </a:rPr>
+                <a:t>Rab4 efficiency comparisons between all three cell types. Grey line being</a:t>
+              </a:r>
+            </a:p>
+            <a:p>
+              <a:pPr algn="ctr"/>
+              <a:r>
+                <a:rPr lang="en-IN" sz="1400" dirty="0">
+                  <a:effectLst/>
+                  <a:ea typeface="Times New Roman" panose="02020603050405020304" pitchFamily="18" charset="0"/>
+                </a:rPr>
+                <a:t> the Wild type, Blue line being the RabX1 and green being the Rab11</a:t>
+              </a:r>
+            </a:p>
+            <a:p>
+              <a:pPr algn="ctr"/>
+              <a:endParaRPr lang="en-US" sz="1400" dirty="0"/>
+            </a:p>
+          </p:txBody>
+        </p:sp>
+      </p:grpSp>
+    </p:spTree>
+    <p:extLst>
+      <p:ext uri="{BB962C8B-B14F-4D97-AF65-F5344CB8AC3E}">
+        <p14:creationId xmlns:p14="http://schemas.microsoft.com/office/powerpoint/2010/main" val="3288839966"/>
+      </p:ext>
+    </p:extLst>
+  </p:cSld>
+  <p:clrMapOvr>
+    <a:masterClrMapping/>
+  </p:clrMapOvr>
+</p:sld>
+</file>
+
+<file path=ppt/slides/slide12.xml><?xml version="1.0" encoding="utf-8"?>
 <p:sld xmlns:a="http://schemas.openxmlformats.org/drawingml/2006/main" xmlns:r="http://schemas.openxmlformats.org/officeDocument/2006/relationships" xmlns:p="http://schemas.openxmlformats.org/presentationml/2006/main">
   <p:cSld>
     <p:spTree>
@@ -8197,7 +9079,7 @@
           <a:p>
             <a:fld id="{69E57DC2-970A-4B3E-BB1C-7A09969E49DF}" type="slidenum">
               <a:rPr lang="en-US" smtClean="0"/>
-              <a:t>11</a:t>
+              <a:t>12</a:t>
             </a:fld>
             <a:endParaRPr lang="en-US"/>
           </a:p>
@@ -8371,6 +9253,424 @@
           </p:txBody>
         </p:sp>
       </p:grpSp>
+      <p:sp>
+        <p:nvSpPr>
+          <p:cNvPr id="8" name="Down Arrow 7">
+            <a:extLst>
+              <a:ext uri="{FF2B5EF4-FFF2-40B4-BE49-F238E27FC236}">
+                <a16:creationId xmlns:a16="http://schemas.microsoft.com/office/drawing/2014/main" id="{E7191AD7-8B74-A62B-3C50-41C310FA241B}"/>
+              </a:ext>
+            </a:extLst>
+          </p:cNvPr>
+          <p:cNvSpPr/>
+          <p:nvPr/>
+        </p:nvSpPr>
+        <p:spPr>
+          <a:xfrm>
+            <a:off x="1920240" y="2777490"/>
+            <a:ext cx="457200" cy="1405890"/>
+          </a:xfrm>
+          <a:prstGeom prst="downArrow">
+            <a:avLst/>
+          </a:prstGeom>
+        </p:spPr>
+        <p:style>
+          <a:lnRef idx="2">
+            <a:schemeClr val="accent1">
+              <a:shade val="15000"/>
+            </a:schemeClr>
+          </a:lnRef>
+          <a:fillRef idx="1">
+            <a:schemeClr val="accent1"/>
+          </a:fillRef>
+          <a:effectRef idx="0">
+            <a:schemeClr val="accent1"/>
+          </a:effectRef>
+          <a:fontRef idx="minor">
+            <a:schemeClr val="lt1"/>
+          </a:fontRef>
+        </p:style>
+        <p:txBody>
+          <a:bodyPr rtlCol="0" anchor="ctr"/>
+          <a:lstStyle/>
+          <a:p>
+            <a:pPr algn="ctr"/>
+            <a:endParaRPr lang="en-US"/>
+          </a:p>
+        </p:txBody>
+      </p:sp>
+      <p:sp>
+        <p:nvSpPr>
+          <p:cNvPr id="9" name="Down Arrow 8">
+            <a:extLst>
+              <a:ext uri="{FF2B5EF4-FFF2-40B4-BE49-F238E27FC236}">
+                <a16:creationId xmlns:a16="http://schemas.microsoft.com/office/drawing/2014/main" id="{7350367A-AE49-D8D9-07F9-1DAE26B74389}"/>
+              </a:ext>
+            </a:extLst>
+          </p:cNvPr>
+          <p:cNvSpPr/>
+          <p:nvPr/>
+        </p:nvSpPr>
+        <p:spPr>
+          <a:xfrm>
+            <a:off x="9753600" y="2777490"/>
+            <a:ext cx="457200" cy="1405890"/>
+          </a:xfrm>
+          <a:prstGeom prst="downArrow">
+            <a:avLst/>
+          </a:prstGeom>
+        </p:spPr>
+        <p:style>
+          <a:lnRef idx="2">
+            <a:schemeClr val="accent1">
+              <a:shade val="15000"/>
+            </a:schemeClr>
+          </a:lnRef>
+          <a:fillRef idx="1">
+            <a:schemeClr val="accent1"/>
+          </a:fillRef>
+          <a:effectRef idx="0">
+            <a:schemeClr val="accent1"/>
+          </a:effectRef>
+          <a:fontRef idx="minor">
+            <a:schemeClr val="lt1"/>
+          </a:fontRef>
+        </p:style>
+        <p:txBody>
+          <a:bodyPr rtlCol="0" anchor="ctr"/>
+          <a:lstStyle/>
+          <a:p>
+            <a:pPr algn="ctr"/>
+            <a:endParaRPr lang="en-US"/>
+          </a:p>
+        </p:txBody>
+      </p:sp>
+      <p:sp>
+        <p:nvSpPr>
+          <p:cNvPr id="10" name="Down Arrow 9">
+            <a:extLst>
+              <a:ext uri="{FF2B5EF4-FFF2-40B4-BE49-F238E27FC236}">
+                <a16:creationId xmlns:a16="http://schemas.microsoft.com/office/drawing/2014/main" id="{87715DDE-C1C7-6056-5AFB-75B11E7969BA}"/>
+              </a:ext>
+            </a:extLst>
+          </p:cNvPr>
+          <p:cNvSpPr/>
+          <p:nvPr/>
+        </p:nvSpPr>
+        <p:spPr>
+          <a:xfrm>
+            <a:off x="5867397" y="2777490"/>
+            <a:ext cx="457200" cy="1405890"/>
+          </a:xfrm>
+          <a:prstGeom prst="downArrow">
+            <a:avLst/>
+          </a:prstGeom>
+        </p:spPr>
+        <p:style>
+          <a:lnRef idx="2">
+            <a:schemeClr val="accent1">
+              <a:shade val="15000"/>
+            </a:schemeClr>
+          </a:lnRef>
+          <a:fillRef idx="1">
+            <a:schemeClr val="accent1"/>
+          </a:fillRef>
+          <a:effectRef idx="0">
+            <a:schemeClr val="accent1"/>
+          </a:effectRef>
+          <a:fontRef idx="minor">
+            <a:schemeClr val="lt1"/>
+          </a:fontRef>
+        </p:style>
+        <p:txBody>
+          <a:bodyPr rtlCol="0" anchor="ctr"/>
+          <a:lstStyle/>
+          <a:p>
+            <a:pPr algn="ctr"/>
+            <a:endParaRPr lang="en-US"/>
+          </a:p>
+        </p:txBody>
+      </p:sp>
+      <p:sp>
+        <p:nvSpPr>
+          <p:cNvPr id="11" name="Rounded Rectangle 10">
+            <a:extLst>
+              <a:ext uri="{FF2B5EF4-FFF2-40B4-BE49-F238E27FC236}">
+                <a16:creationId xmlns:a16="http://schemas.microsoft.com/office/drawing/2014/main" id="{37761A8B-A352-736C-90DE-E9D6832F3ECF}"/>
+              </a:ext>
+            </a:extLst>
+          </p:cNvPr>
+          <p:cNvSpPr/>
+          <p:nvPr/>
+        </p:nvSpPr>
+        <p:spPr>
+          <a:xfrm>
+            <a:off x="457200" y="4400550"/>
+            <a:ext cx="3360420" cy="2320925"/>
+          </a:xfrm>
+          <a:prstGeom prst="roundRect">
+            <a:avLst/>
+          </a:prstGeom>
+          <a:noFill/>
+          <a:ln w="38100">
+            <a:solidFill>
+              <a:srgbClr val="0070C0"/>
+            </a:solidFill>
+          </a:ln>
+        </p:spPr>
+        <p:style>
+          <a:lnRef idx="2">
+            <a:schemeClr val="accent1">
+              <a:shade val="15000"/>
+            </a:schemeClr>
+          </a:lnRef>
+          <a:fillRef idx="1">
+            <a:schemeClr val="accent1"/>
+          </a:fillRef>
+          <a:effectRef idx="0">
+            <a:schemeClr val="accent1"/>
+          </a:effectRef>
+          <a:fontRef idx="minor">
+            <a:schemeClr val="lt1"/>
+          </a:fontRef>
+        </p:style>
+        <p:txBody>
+          <a:bodyPr rtlCol="0" anchor="ctr"/>
+          <a:lstStyle/>
+          <a:p>
+            <a:pPr algn="ctr"/>
+            <a:endParaRPr lang="en-US"/>
+          </a:p>
+        </p:txBody>
+      </p:sp>
+      <p:sp>
+        <p:nvSpPr>
+          <p:cNvPr id="14" name="Rounded Rectangle 13">
+            <a:extLst>
+              <a:ext uri="{FF2B5EF4-FFF2-40B4-BE49-F238E27FC236}">
+                <a16:creationId xmlns:a16="http://schemas.microsoft.com/office/drawing/2014/main" id="{AD99AB60-4F67-004B-F41B-FD66A4B9BA74}"/>
+              </a:ext>
+            </a:extLst>
+          </p:cNvPr>
+          <p:cNvSpPr/>
+          <p:nvPr/>
+        </p:nvSpPr>
+        <p:spPr>
+          <a:xfrm>
+            <a:off x="8340090" y="4400548"/>
+            <a:ext cx="3360420" cy="2320925"/>
+          </a:xfrm>
+          <a:prstGeom prst="roundRect">
+            <a:avLst/>
+          </a:prstGeom>
+          <a:noFill/>
+          <a:ln w="38100">
+            <a:solidFill>
+              <a:srgbClr val="0070C0"/>
+            </a:solidFill>
+          </a:ln>
+        </p:spPr>
+        <p:style>
+          <a:lnRef idx="2">
+            <a:schemeClr val="accent1">
+              <a:shade val="15000"/>
+            </a:schemeClr>
+          </a:lnRef>
+          <a:fillRef idx="1">
+            <a:schemeClr val="accent1"/>
+          </a:fillRef>
+          <a:effectRef idx="0">
+            <a:schemeClr val="accent1"/>
+          </a:effectRef>
+          <a:fontRef idx="minor">
+            <a:schemeClr val="lt1"/>
+          </a:fontRef>
+        </p:style>
+        <p:txBody>
+          <a:bodyPr rtlCol="0" anchor="ctr"/>
+          <a:lstStyle/>
+          <a:p>
+            <a:pPr algn="ctr"/>
+            <a:endParaRPr lang="en-US"/>
+          </a:p>
+        </p:txBody>
+      </p:sp>
+      <p:sp>
+        <p:nvSpPr>
+          <p:cNvPr id="15" name="Rounded Rectangle 14">
+            <a:extLst>
+              <a:ext uri="{FF2B5EF4-FFF2-40B4-BE49-F238E27FC236}">
+                <a16:creationId xmlns:a16="http://schemas.microsoft.com/office/drawing/2014/main" id="{52AF6EF2-F42E-E208-1BE9-6C692EAAB502}"/>
+              </a:ext>
+            </a:extLst>
+          </p:cNvPr>
+          <p:cNvSpPr/>
+          <p:nvPr/>
+        </p:nvSpPr>
+        <p:spPr>
+          <a:xfrm>
+            <a:off x="4415787" y="4400549"/>
+            <a:ext cx="3360420" cy="2320925"/>
+          </a:xfrm>
+          <a:prstGeom prst="roundRect">
+            <a:avLst/>
+          </a:prstGeom>
+          <a:noFill/>
+          <a:ln w="38100">
+            <a:solidFill>
+              <a:srgbClr val="0070C0"/>
+            </a:solidFill>
+          </a:ln>
+        </p:spPr>
+        <p:style>
+          <a:lnRef idx="2">
+            <a:schemeClr val="accent1">
+              <a:shade val="15000"/>
+            </a:schemeClr>
+          </a:lnRef>
+          <a:fillRef idx="1">
+            <a:schemeClr val="accent1"/>
+          </a:fillRef>
+          <a:effectRef idx="0">
+            <a:schemeClr val="accent1"/>
+          </a:effectRef>
+          <a:fontRef idx="minor">
+            <a:schemeClr val="lt1"/>
+          </a:fontRef>
+        </p:style>
+        <p:txBody>
+          <a:bodyPr rtlCol="0" anchor="ctr"/>
+          <a:lstStyle/>
+          <a:p>
+            <a:pPr algn="ctr"/>
+            <a:endParaRPr lang="en-US"/>
+          </a:p>
+        </p:txBody>
+      </p:sp>
+      <p:sp>
+        <p:nvSpPr>
+          <p:cNvPr id="17" name="TextBox 16">
+            <a:extLst>
+              <a:ext uri="{FF2B5EF4-FFF2-40B4-BE49-F238E27FC236}">
+                <a16:creationId xmlns:a16="http://schemas.microsoft.com/office/drawing/2014/main" id="{1B099D6F-9974-FC52-E16A-810864127776}"/>
+              </a:ext>
+            </a:extLst>
+          </p:cNvPr>
+          <p:cNvSpPr txBox="1"/>
+          <p:nvPr/>
+        </p:nvSpPr>
+        <p:spPr>
+          <a:xfrm>
+            <a:off x="8622908" y="4776400"/>
+            <a:ext cx="2852057" cy="1477328"/>
+          </a:xfrm>
+          <a:prstGeom prst="rect">
+            <a:avLst/>
+          </a:prstGeom>
+          <a:noFill/>
+        </p:spPr>
+        <p:txBody>
+          <a:bodyPr wrap="square" rtlCol="0">
+            <a:spAutoFit/>
+          </a:bodyPr>
+          <a:lstStyle/>
+          <a:p>
+            <a:pPr algn="ctr"/>
+            <a:r>
+              <a:rPr lang="en-US" dirty="0"/>
+              <a:t>Final Model representing E Cadherin molecules on cellular surface of three cell types which dynamically changes based on cell type</a:t>
+            </a:r>
+          </a:p>
+        </p:txBody>
+      </p:sp>
+      <p:sp>
+        <p:nvSpPr>
+          <p:cNvPr id="18" name="TextBox 17">
+            <a:extLst>
+              <a:ext uri="{FF2B5EF4-FFF2-40B4-BE49-F238E27FC236}">
+                <a16:creationId xmlns:a16="http://schemas.microsoft.com/office/drawing/2014/main" id="{3253F0D9-CD1B-13C7-30EB-81276CABA9CF}"/>
+              </a:ext>
+            </a:extLst>
+          </p:cNvPr>
+          <p:cNvSpPr txBox="1"/>
+          <p:nvPr/>
+        </p:nvSpPr>
+        <p:spPr>
+          <a:xfrm>
+            <a:off x="4652826" y="4776400"/>
+            <a:ext cx="2852057" cy="1477328"/>
+          </a:xfrm>
+          <a:prstGeom prst="rect">
+            <a:avLst/>
+          </a:prstGeom>
+          <a:noFill/>
+        </p:spPr>
+        <p:txBody>
+          <a:bodyPr wrap="square" rtlCol="0">
+            <a:spAutoFit/>
+          </a:bodyPr>
+          <a:lstStyle/>
+          <a:p>
+            <a:pPr algn="ctr"/>
+            <a:r>
+              <a:rPr lang="en-US" dirty="0"/>
+              <a:t>Efficiency of Rab4 protein and shut down of </a:t>
+            </a:r>
+            <a:r>
+              <a:rPr lang="en-US" dirty="0" err="1"/>
+              <a:t>Apicolateral</a:t>
+            </a:r>
+            <a:r>
+              <a:rPr lang="en-US" dirty="0"/>
+              <a:t> Exocytosis when Rab11 protein is not present</a:t>
+            </a:r>
+          </a:p>
+        </p:txBody>
+      </p:sp>
+      <p:sp>
+        <p:nvSpPr>
+          <p:cNvPr id="20" name="TextBox 19">
+            <a:extLst>
+              <a:ext uri="{FF2B5EF4-FFF2-40B4-BE49-F238E27FC236}">
+                <a16:creationId xmlns:a16="http://schemas.microsoft.com/office/drawing/2014/main" id="{6D23D264-7EA9-B1BD-287F-C23E21F03446}"/>
+              </a:ext>
+            </a:extLst>
+          </p:cNvPr>
+          <p:cNvSpPr txBox="1"/>
+          <p:nvPr/>
+        </p:nvSpPr>
+        <p:spPr>
+          <a:xfrm>
+            <a:off x="685800" y="4914900"/>
+            <a:ext cx="2883289" cy="1200329"/>
+          </a:xfrm>
+          <a:prstGeom prst="rect">
+            <a:avLst/>
+          </a:prstGeom>
+          <a:noFill/>
+        </p:spPr>
+        <p:txBody>
+          <a:bodyPr wrap="square" rtlCol="0">
+            <a:spAutoFit/>
+          </a:bodyPr>
+          <a:lstStyle/>
+          <a:p>
+            <a:pPr algn="ctr"/>
+            <a:r>
+              <a:rPr lang="en-US" dirty="0"/>
+              <a:t>Recycling process done via three mediums, </a:t>
+            </a:r>
+            <a:r>
+              <a:rPr lang="en-US" dirty="0" err="1"/>
+              <a:t>Apicolateral</a:t>
+            </a:r>
+            <a:r>
+              <a:rPr lang="en-US" dirty="0"/>
+              <a:t>, Lateral and Direct (Rab4) exocytosis</a:t>
+            </a:r>
+          </a:p>
+        </p:txBody>
+      </p:sp>
     </p:spTree>
     <p:extLst>
       <p:ext uri="{BB962C8B-B14F-4D97-AF65-F5344CB8AC3E}">
@@ -8384,7 +9684,7 @@
 </p:sld>
 </file>
 
-<file path=ppt/slides/slide12.xml><?xml version="1.0" encoding="utf-8"?>
+<file path=ppt/slides/slide13.xml><?xml version="1.0" encoding="utf-8"?>
 <p:sld xmlns:a="http://schemas.openxmlformats.org/drawingml/2006/main" xmlns:r="http://schemas.openxmlformats.org/officeDocument/2006/relationships" xmlns:p="http://schemas.openxmlformats.org/presentationml/2006/main">
   <p:cSld>
     <p:spTree>
@@ -8930,7 +10230,7 @@
           <a:p>
             <a:fld id="{69E57DC2-970A-4B3E-BB1C-7A09969E49DF}" type="slidenum">
               <a:rPr lang="en-US" smtClean="0"/>
-              <a:t>12</a:t>
+              <a:t>13</a:t>
             </a:fld>
             <a:endParaRPr lang="en-US"/>
           </a:p>
@@ -8949,7 +10249,7 @@
 </p:sld>
 </file>
 
-<file path=ppt/slides/slide13.xml><?xml version="1.0" encoding="utf-8"?>
+<file path=ppt/slides/slide14.xml><?xml version="1.0" encoding="utf-8"?>
 <p:sld xmlns:a="http://schemas.openxmlformats.org/drawingml/2006/main" xmlns:r="http://schemas.openxmlformats.org/officeDocument/2006/relationships" xmlns:p="http://schemas.openxmlformats.org/presentationml/2006/main">
   <p:cSld>
     <p:spTree>
@@ -9046,7 +10346,7 @@
             <a:fld id="{69E57DC2-970A-4B3E-BB1C-7A09969E49DF}" type="slidenum">
               <a:rPr lang="en-US" smtClean="0"/>
               <a:pPr/>
-              <a:t>13</a:t>
+              <a:t>14</a:t>
             </a:fld>
             <a:endParaRPr lang="en-US"/>
           </a:p>
@@ -9160,7 +10460,7 @@
             <p:ph idx="1"/>
             <p:extLst>
               <p:ext uri="{D42A27DB-BD31-4B8C-83A1-F6EECF244321}">
-                <p14:modId xmlns:p14="http://schemas.microsoft.com/office/powerpoint/2010/main" val="4182378149"/>
+                <p14:modId xmlns:p14="http://schemas.microsoft.com/office/powerpoint/2010/main" val="3601797345"/>
               </p:ext>
             </p:extLst>
           </p:nvPr>
@@ -9459,7 +10759,7 @@
                     <a:p>
                       <a:r>
                         <a:rPr lang="en-US" dirty="0"/>
-                        <a:t>6-7</a:t>
+                        <a:t>6-8</a:t>
                       </a:r>
                     </a:p>
                   </a:txBody>
@@ -9536,7 +10836,7 @@
                     <a:p>
                       <a:r>
                         <a:rPr lang="en-US" dirty="0"/>
-                        <a:t>8-9</a:t>
+                        <a:t>9-11</a:t>
                       </a:r>
                     </a:p>
                   </a:txBody>
@@ -9613,7 +10913,7 @@
                     <a:p>
                       <a:r>
                         <a:rPr lang="en-US" dirty="0"/>
-                        <a:t>10</a:t>
+                        <a:t>12</a:t>
                       </a:r>
                     </a:p>
                   </a:txBody>
@@ -9690,7 +10990,7 @@
                     <a:p>
                       <a:r>
                         <a:rPr lang="en-US" dirty="0"/>
-                        <a:t>11</a:t>
+                        <a:t>13</a:t>
                       </a:r>
                     </a:p>
                   </a:txBody>
@@ -17473,7 +18773,20 @@
                   <a:effectLst/>
                   <a:ea typeface="Times New Roman" panose="02020603050405020304" pitchFamily="18" charset="0"/>
                 </a:rPr>
-                <a:t>Fig 4.8: Depicting Rab4 efficiency as a Hill Function for accurate measurements</a:t>
+                <a:t>Fig </a:t>
+              </a:r>
+              <a:r>
+                <a:rPr lang="en-IN" sz="1400" kern="0" dirty="0">
+                  <a:ea typeface="Times New Roman" panose="02020603050405020304" pitchFamily="18" charset="0"/>
+                </a:rPr>
+                <a:t>3</a:t>
+              </a:r>
+              <a:r>
+                <a:rPr lang="en-IN" sz="1400" kern="0" dirty="0">
+                  <a:effectLst/>
+                  <a:ea typeface="Times New Roman" panose="02020603050405020304" pitchFamily="18" charset="0"/>
+                </a:rPr>
+                <a:t>.8: Depicting Rab4 efficiency as a Hill Function for accurate measurements</a:t>
               </a:r>
               <a:r>
                 <a:rPr lang="en-IN" sz="1400" dirty="0">
@@ -17516,6 +18829,36 @@
           <a:chExt cx="0" cy="0"/>
         </a:xfrm>
       </p:grpSpPr>
+      <p:pic>
+        <p:nvPicPr>
+          <p:cNvPr id="34" name="Picture 33" descr="A graph showing a line graph&#10;&#10;Description automatically generated with medium confidence">
+            <a:extLst>
+              <a:ext uri="{FF2B5EF4-FFF2-40B4-BE49-F238E27FC236}">
+                <a16:creationId xmlns:a16="http://schemas.microsoft.com/office/drawing/2014/main" id="{FA1DE20A-6A7B-1E69-7848-1D900FDF7D77}"/>
+              </a:ext>
+            </a:extLst>
+          </p:cNvPr>
+          <p:cNvPicPr>
+            <a:picLocks noChangeAspect="1"/>
+          </p:cNvPicPr>
+          <p:nvPr/>
+        </p:nvPicPr>
+        <p:blipFill>
+          <a:blip r:embed="rId3"/>
+          <a:stretch>
+            <a:fillRect/>
+          </a:stretch>
+        </p:blipFill>
+        <p:spPr>
+          <a:xfrm>
+            <a:off x="433673" y="1144719"/>
+            <a:ext cx="4903857" cy="2522930"/>
+          </a:xfrm>
+          <a:prstGeom prst="rect">
+            <a:avLst/>
+          </a:prstGeom>
+        </p:spPr>
+      </p:pic>
       <p:sp>
         <p:nvSpPr>
           <p:cNvPr id="2" name="Title 1">
@@ -17583,12 +18926,47 @@
           </a:p>
         </p:txBody>
       </p:sp>
+      <p:sp>
+        <p:nvSpPr>
+          <p:cNvPr id="15" name="TextBox 14">
+            <a:extLst>
+              <a:ext uri="{FF2B5EF4-FFF2-40B4-BE49-F238E27FC236}">
+                <a16:creationId xmlns:a16="http://schemas.microsoft.com/office/drawing/2014/main" id="{8AA04164-9E1D-0952-C0B6-64CA7CB59BC3}"/>
+              </a:ext>
+            </a:extLst>
+          </p:cNvPr>
+          <p:cNvSpPr txBox="1"/>
+          <p:nvPr/>
+        </p:nvSpPr>
+        <p:spPr>
+          <a:xfrm>
+            <a:off x="5094091" y="859522"/>
+            <a:ext cx="2003818" cy="369332"/>
+          </a:xfrm>
+          <a:prstGeom prst="rect">
+            <a:avLst/>
+          </a:prstGeom>
+          <a:noFill/>
+        </p:spPr>
+        <p:txBody>
+          <a:bodyPr wrap="none" rtlCol="0">
+            <a:spAutoFit/>
+          </a:bodyPr>
+          <a:lstStyle/>
+          <a:p>
+            <a:r>
+              <a:rPr lang="en-US" dirty="0"/>
+              <a:t>Rab11 vs Wild Type</a:t>
+            </a:r>
+          </a:p>
+        </p:txBody>
+      </p:sp>
       <p:grpSp>
         <p:nvGrpSpPr>
           <p:cNvPr id="21" name="Group 20">
             <a:extLst>
               <a:ext uri="{FF2B5EF4-FFF2-40B4-BE49-F238E27FC236}">
-                <a16:creationId xmlns:a16="http://schemas.microsoft.com/office/drawing/2014/main" id="{40C84280-0A19-6520-DB6B-E19E1E7A84EC}"/>
+                <a16:creationId xmlns:a16="http://schemas.microsoft.com/office/drawing/2014/main" id="{A412866C-69A8-728A-9EE3-C9ACB8FCFF2A}"/>
               </a:ext>
             </a:extLst>
           </p:cNvPr>
@@ -17597,54 +18975,18 @@
         </p:nvGrpSpPr>
         <p:grpSpPr>
           <a:xfrm>
-            <a:off x="628729" y="980703"/>
-            <a:ext cx="6060826" cy="5037614"/>
-            <a:chOff x="1468989" y="980703"/>
-            <a:chExt cx="6060826" cy="5037614"/>
+            <a:off x="241987" y="1198010"/>
+            <a:ext cx="11708026" cy="2954099"/>
+            <a:chOff x="241987" y="1951950"/>
+            <a:chExt cx="11708026" cy="2954099"/>
           </a:xfrm>
         </p:grpSpPr>
-        <p:pic>
-          <p:nvPicPr>
-            <p:cNvPr id="19" name="Picture 18" descr="A graph of a graph of efficiency&#10;&#10;Description automatically generated with medium confidence">
+        <p:sp>
+          <p:nvSpPr>
+            <p:cNvPr id="6" name="TextBox 5">
               <a:extLst>
                 <a:ext uri="{FF2B5EF4-FFF2-40B4-BE49-F238E27FC236}">
-                  <a16:creationId xmlns:a16="http://schemas.microsoft.com/office/drawing/2014/main" id="{46E8AD75-BAC2-EA62-E103-A970B9E721B6}"/>
-                </a:ext>
-              </a:extLst>
-            </p:cNvPr>
-            <p:cNvPicPr>
-              <a:picLocks noChangeAspect="1"/>
-            </p:cNvPicPr>
-            <p:nvPr/>
-          </p:nvPicPr>
-          <p:blipFill>
-            <a:blip r:embed="rId3">
-              <a:extLst>
-                <a:ext uri="{28A0092B-C50C-407E-A947-70E740481C1C}">
-                  <a14:useLocalDpi xmlns:a14="http://schemas.microsoft.com/office/drawing/2010/main" val="0"/>
-                </a:ext>
-              </a:extLst>
-            </a:blip>
-            <a:stretch>
-              <a:fillRect/>
-            </a:stretch>
-          </p:blipFill>
-          <p:spPr>
-            <a:xfrm>
-              <a:off x="1633647" y="980703"/>
-              <a:ext cx="5731510" cy="4298950"/>
-            </a:xfrm>
-            <a:prstGeom prst="rect">
-              <a:avLst/>
-            </a:prstGeom>
-          </p:spPr>
-        </p:pic>
-        <p:sp>
-          <p:nvSpPr>
-            <p:cNvPr id="20" name="TextBox 19">
-              <a:extLst>
-                <a:ext uri="{FF2B5EF4-FFF2-40B4-BE49-F238E27FC236}">
-                  <a16:creationId xmlns:a16="http://schemas.microsoft.com/office/drawing/2014/main" id="{F065D0BD-1222-24A2-9384-8AFF06FB2E28}"/>
+                  <a16:creationId xmlns:a16="http://schemas.microsoft.com/office/drawing/2014/main" id="{9F163300-E706-6040-2EAA-C1CD08618A47}"/>
                 </a:ext>
               </a:extLst>
             </p:cNvPr>
@@ -17653,8 +18995,8 @@
           </p:nvSpPr>
           <p:spPr>
             <a:xfrm>
-              <a:off x="1468989" y="5279653"/>
-              <a:ext cx="6060826" cy="738664"/>
+              <a:off x="241987" y="4366436"/>
+              <a:ext cx="5244412" cy="382028"/>
             </a:xfrm>
             <a:prstGeom prst="rect">
               <a:avLst/>
@@ -17662,59 +19004,484 @@
             <a:noFill/>
           </p:spPr>
           <p:txBody>
-            <a:bodyPr wrap="none" rtlCol="0">
+            <a:bodyPr wrap="square">
               <a:spAutoFit/>
             </a:bodyPr>
             <a:lstStyle/>
             <a:p>
-              <a:pPr algn="ctr"/>
-              <a:r>
-                <a:rPr lang="en-US" sz="1400" dirty="0"/>
-                <a:t>Fig: 4.1 </a:t>
-              </a:r>
+              <a:pPr algn="ctr">
+                <a:lnSpc>
+                  <a:spcPct val="150000"/>
+                </a:lnSpc>
+              </a:pPr>
               <a:r>
                 <a:rPr lang="en-IN" sz="1400" dirty="0">
                   <a:effectLst/>
                   <a:ea typeface="Times New Roman" panose="02020603050405020304" pitchFamily="18" charset="0"/>
                 </a:rPr>
-                <a:t>Rab4 efficiency comparisons between all three cell types. Grey line being</a:t>
+                <a:t>Fig4.1  Depicting E cad molecules on cell surface of Mutant Rab11</a:t>
               </a:r>
             </a:p>
+          </p:txBody>
+        </p:sp>
+        <p:grpSp>
+          <p:nvGrpSpPr>
+            <p:cNvPr id="16" name="Group 15">
+              <a:extLst>
+                <a:ext uri="{FF2B5EF4-FFF2-40B4-BE49-F238E27FC236}">
+                  <a16:creationId xmlns:a16="http://schemas.microsoft.com/office/drawing/2014/main" id="{C9145E67-C3BA-EE5F-3225-0C3CEB6FBC9C}"/>
+                </a:ext>
+              </a:extLst>
+            </p:cNvPr>
+            <p:cNvGrpSpPr/>
+            <p:nvPr/>
+          </p:nvGrpSpPr>
+          <p:grpSpPr>
+            <a:xfrm>
+              <a:off x="6563341" y="1951950"/>
+              <a:ext cx="5386672" cy="2954099"/>
+              <a:chOff x="3267320" y="3868007"/>
+              <a:chExt cx="5386672" cy="2954099"/>
+            </a:xfrm>
+          </p:grpSpPr>
+          <p:pic>
+            <p:nvPicPr>
+              <p:cNvPr id="17" name="Picture 16">
+                <a:extLst>
+                  <a:ext uri="{FF2B5EF4-FFF2-40B4-BE49-F238E27FC236}">
+                    <a16:creationId xmlns:a16="http://schemas.microsoft.com/office/drawing/2014/main" id="{FC1824C2-143D-5C80-E515-3B779ADBA3E1}"/>
+                  </a:ext>
+                </a:extLst>
+              </p:cNvPr>
+              <p:cNvPicPr>
+                <a:picLocks noChangeAspect="1"/>
+              </p:cNvPicPr>
+              <p:nvPr/>
+            </p:nvPicPr>
+            <p:blipFill>
+              <a:blip r:embed="rId4" cstate="print">
+                <a:extLst>
+                  <a:ext uri="{28A0092B-C50C-407E-A947-70E740481C1C}">
+                    <a14:useLocalDpi xmlns:a14="http://schemas.microsoft.com/office/drawing/2010/main" val="0"/>
+                  </a:ext>
+                </a:extLst>
+              </a:blip>
+              <a:stretch>
+                <a:fillRect/>
+              </a:stretch>
+            </p:blipFill>
+            <p:spPr>
+              <a:xfrm>
+                <a:off x="3267320" y="3868007"/>
+                <a:ext cx="4776933" cy="2457797"/>
+              </a:xfrm>
+              <a:prstGeom prst="rect">
+                <a:avLst/>
+              </a:prstGeom>
+            </p:spPr>
+          </p:pic>
+          <p:sp>
+            <p:nvSpPr>
+              <p:cNvPr id="18" name="TextBox 17">
+                <a:extLst>
+                  <a:ext uri="{FF2B5EF4-FFF2-40B4-BE49-F238E27FC236}">
+                    <a16:creationId xmlns:a16="http://schemas.microsoft.com/office/drawing/2014/main" id="{81A5686A-CDCE-FE39-2039-42ED886AF0EC}"/>
+                  </a:ext>
+                </a:extLst>
+              </p:cNvPr>
+              <p:cNvSpPr txBox="1"/>
+              <p:nvPr/>
+            </p:nvSpPr>
+            <p:spPr>
+              <a:xfrm>
+                <a:off x="3267320" y="6299072"/>
+                <a:ext cx="5386672" cy="523034"/>
+              </a:xfrm>
+              <a:prstGeom prst="rect">
+                <a:avLst/>
+              </a:prstGeom>
+              <a:noFill/>
+            </p:spPr>
+            <p:txBody>
+              <a:bodyPr wrap="square" rtlCol="0">
+                <a:spAutoFit/>
+              </a:bodyPr>
+              <a:lstStyle/>
+              <a:p>
+                <a:r>
+                  <a:rPr lang="en-IN" sz="1400" dirty="0">
+                    <a:effectLst/>
+                    <a:ea typeface="Times New Roman" panose="02020603050405020304" pitchFamily="18" charset="0"/>
+                  </a:rPr>
+                  <a:t>Fig 4.2  Depicting E cad molecules on cell surface of Wild Type</a:t>
+                </a:r>
+              </a:p>
+              <a:p>
+                <a:endParaRPr lang="en-US" sz="1400" dirty="0"/>
+              </a:p>
+            </p:txBody>
+          </p:sp>
+        </p:grpSp>
+        <p:sp>
+          <p:nvSpPr>
+            <p:cNvPr id="19" name="Oval 18">
+              <a:extLst>
+                <a:ext uri="{FF2B5EF4-FFF2-40B4-BE49-F238E27FC236}">
+                  <a16:creationId xmlns:a16="http://schemas.microsoft.com/office/drawing/2014/main" id="{B0A9CB65-2F42-FC29-FB4C-452B8E035283}"/>
+                </a:ext>
+              </a:extLst>
+            </p:cNvPr>
+            <p:cNvSpPr/>
+            <p:nvPr/>
+          </p:nvSpPr>
+          <p:spPr>
+            <a:xfrm>
+              <a:off x="2019150" y="3042208"/>
+              <a:ext cx="370114" cy="370114"/>
+            </a:xfrm>
+            <a:prstGeom prst="ellipse">
+              <a:avLst/>
+            </a:prstGeom>
+            <a:noFill/>
+            <a:ln>
+              <a:solidFill>
+                <a:schemeClr val="accent6"/>
+              </a:solidFill>
+            </a:ln>
+          </p:spPr>
+          <p:style>
+            <a:lnRef idx="2">
+              <a:schemeClr val="accent1">
+                <a:shade val="15000"/>
+              </a:schemeClr>
+            </a:lnRef>
+            <a:fillRef idx="1">
+              <a:schemeClr val="accent1"/>
+            </a:fillRef>
+            <a:effectRef idx="0">
+              <a:schemeClr val="accent1"/>
+            </a:effectRef>
+            <a:fontRef idx="minor">
+              <a:schemeClr val="lt1"/>
+            </a:fontRef>
+          </p:style>
+          <p:txBody>
+            <a:bodyPr rtlCol="0" anchor="ctr"/>
+            <a:lstStyle/>
             <a:p>
               <a:pPr algn="ctr"/>
-              <a:r>
-                <a:rPr lang="en-IN" sz="1400" dirty="0">
-                  <a:effectLst/>
-                  <a:ea typeface="Times New Roman" panose="02020603050405020304" pitchFamily="18" charset="0"/>
-                </a:rPr>
-                <a:t> the Wild type, Blue line being the </a:t>
-              </a:r>
-              <a:r>
-                <a:rPr lang="en-IN" sz="1400" dirty="0" err="1">
-                  <a:effectLst/>
-                  <a:ea typeface="Times New Roman" panose="02020603050405020304" pitchFamily="18" charset="0"/>
-                </a:rPr>
-                <a:t>RabX</a:t>
-              </a:r>
-              <a:r>
-                <a:rPr lang="en-IN" sz="1400" dirty="0">
-                  <a:effectLst/>
-                  <a:ea typeface="Times New Roman" panose="02020603050405020304" pitchFamily="18" charset="0"/>
-                </a:rPr>
-                <a:t> 1 and green being the Rab11</a:t>
-              </a:r>
+              <a:endParaRPr lang="en-US" dirty="0"/>
             </a:p>
+          </p:txBody>
+        </p:sp>
+        <p:sp>
+          <p:nvSpPr>
+            <p:cNvPr id="20" name="Oval 19">
+              <a:extLst>
+                <a:ext uri="{FF2B5EF4-FFF2-40B4-BE49-F238E27FC236}">
+                  <a16:creationId xmlns:a16="http://schemas.microsoft.com/office/drawing/2014/main" id="{FC8456D0-2D64-501D-4642-C2A67FF1F0B3}"/>
+                </a:ext>
+              </a:extLst>
+            </p:cNvPr>
+            <p:cNvSpPr/>
+            <p:nvPr/>
+          </p:nvSpPr>
+          <p:spPr>
+            <a:xfrm>
+              <a:off x="8016757" y="2936719"/>
+              <a:ext cx="370114" cy="370114"/>
+            </a:xfrm>
+            <a:prstGeom prst="ellipse">
+              <a:avLst/>
+            </a:prstGeom>
+            <a:noFill/>
+            <a:ln>
+              <a:solidFill>
+                <a:schemeClr val="bg1">
+                  <a:lumMod val="50000"/>
+                </a:schemeClr>
+              </a:solidFill>
+            </a:ln>
+          </p:spPr>
+          <p:style>
+            <a:lnRef idx="2">
+              <a:schemeClr val="accent1">
+                <a:shade val="15000"/>
+              </a:schemeClr>
+            </a:lnRef>
+            <a:fillRef idx="1">
+              <a:schemeClr val="accent1"/>
+            </a:fillRef>
+            <a:effectRef idx="0">
+              <a:schemeClr val="accent1"/>
+            </a:effectRef>
+            <a:fontRef idx="minor">
+              <a:schemeClr val="lt1"/>
+            </a:fontRef>
+          </p:style>
+          <p:txBody>
+            <a:bodyPr rtlCol="0" anchor="ctr"/>
+            <a:lstStyle/>
             <a:p>
               <a:pPr algn="ctr"/>
-              <a:endParaRPr lang="en-US" sz="1400" dirty="0"/>
+              <a:endParaRPr lang="en-US"/>
             </a:p>
           </p:txBody>
         </p:sp>
       </p:grpSp>
+      <p:pic>
+        <p:nvPicPr>
+          <p:cNvPr id="23" name="Picture 22" descr="A graph showing a line graph&#10;&#10;Description automatically generated">
+            <a:extLst>
+              <a:ext uri="{FF2B5EF4-FFF2-40B4-BE49-F238E27FC236}">
+                <a16:creationId xmlns:a16="http://schemas.microsoft.com/office/drawing/2014/main" id="{E67E3C01-CE66-E3F5-FE3F-BB20A39561A0}"/>
+              </a:ext>
+            </a:extLst>
+          </p:cNvPr>
+          <p:cNvPicPr>
+            <a:picLocks noChangeAspect="1"/>
+          </p:cNvPicPr>
+          <p:nvPr/>
+        </p:nvPicPr>
+        <p:blipFill>
+          <a:blip r:embed="rId5"/>
+          <a:stretch>
+            <a:fillRect/>
+          </a:stretch>
+        </p:blipFill>
+        <p:spPr>
+          <a:xfrm>
+            <a:off x="3158663" y="3941464"/>
+            <a:ext cx="5134732" cy="2641710"/>
+          </a:xfrm>
+          <a:prstGeom prst="rect">
+            <a:avLst/>
+          </a:prstGeom>
+        </p:spPr>
+      </p:pic>
+      <p:sp>
+        <p:nvSpPr>
+          <p:cNvPr id="24" name="TextBox 23">
+            <a:extLst>
+              <a:ext uri="{FF2B5EF4-FFF2-40B4-BE49-F238E27FC236}">
+                <a16:creationId xmlns:a16="http://schemas.microsoft.com/office/drawing/2014/main" id="{F0495FA2-8A4D-7E66-BC35-3047280AFB20}"/>
+              </a:ext>
+            </a:extLst>
+          </p:cNvPr>
+          <p:cNvSpPr txBox="1"/>
+          <p:nvPr/>
+        </p:nvSpPr>
+        <p:spPr>
+          <a:xfrm>
+            <a:off x="3048983" y="6471307"/>
+            <a:ext cx="5244412" cy="382028"/>
+          </a:xfrm>
+          <a:prstGeom prst="rect">
+            <a:avLst/>
+          </a:prstGeom>
+          <a:noFill/>
+        </p:spPr>
+        <p:txBody>
+          <a:bodyPr wrap="square">
+            <a:spAutoFit/>
+          </a:bodyPr>
+          <a:lstStyle/>
+          <a:p>
+            <a:pPr algn="ctr">
+              <a:lnSpc>
+                <a:spcPct val="150000"/>
+              </a:lnSpc>
+            </a:pPr>
+            <a:r>
+              <a:rPr lang="en-IN" sz="1400" dirty="0">
+                <a:effectLst/>
+                <a:ea typeface="Times New Roman" panose="02020603050405020304" pitchFamily="18" charset="0"/>
+              </a:rPr>
+              <a:t>Fig4.3  Depicting E cad molecules on cell surface of Mutant Rab11</a:t>
+            </a:r>
+          </a:p>
+        </p:txBody>
+      </p:sp>
+      <p:cxnSp>
+        <p:nvCxnSpPr>
+          <p:cNvPr id="26" name="Straight Arrow Connector 25">
+            <a:extLst>
+              <a:ext uri="{FF2B5EF4-FFF2-40B4-BE49-F238E27FC236}">
+                <a16:creationId xmlns:a16="http://schemas.microsoft.com/office/drawing/2014/main" id="{8140593A-4631-D2BC-4B8C-177178FEEA33}"/>
+              </a:ext>
+            </a:extLst>
+          </p:cNvPr>
+          <p:cNvCxnSpPr>
+            <a:cxnSpLocks/>
+          </p:cNvCxnSpPr>
+          <p:nvPr/>
+        </p:nvCxnSpPr>
+        <p:spPr>
+          <a:xfrm>
+            <a:off x="2032000" y="2567309"/>
+            <a:ext cx="1774456" cy="2610747"/>
+          </a:xfrm>
+          <a:prstGeom prst="straightConnector1">
+            <a:avLst/>
+          </a:prstGeom>
+          <a:ln>
+            <a:solidFill>
+              <a:schemeClr val="accent6"/>
+            </a:solidFill>
+            <a:tailEnd type="triangle"/>
+          </a:ln>
+        </p:spPr>
+        <p:style>
+          <a:lnRef idx="1">
+            <a:schemeClr val="accent1"/>
+          </a:lnRef>
+          <a:fillRef idx="0">
+            <a:schemeClr val="accent1"/>
+          </a:fillRef>
+          <a:effectRef idx="0">
+            <a:schemeClr val="accent1"/>
+          </a:effectRef>
+          <a:fontRef idx="minor">
+            <a:schemeClr val="tx1"/>
+          </a:fontRef>
+        </p:style>
+      </p:cxnSp>
+      <p:cxnSp>
+        <p:nvCxnSpPr>
+          <p:cNvPr id="28" name="Straight Arrow Connector 27">
+            <a:extLst>
+              <a:ext uri="{FF2B5EF4-FFF2-40B4-BE49-F238E27FC236}">
+                <a16:creationId xmlns:a16="http://schemas.microsoft.com/office/drawing/2014/main" id="{EAA1149C-EDFD-F96B-814C-5A1F7AD42181}"/>
+              </a:ext>
+            </a:extLst>
+          </p:cNvPr>
+          <p:cNvCxnSpPr>
+            <a:cxnSpLocks/>
+          </p:cNvCxnSpPr>
+          <p:nvPr/>
+        </p:nvCxnSpPr>
+        <p:spPr>
+          <a:xfrm>
+            <a:off x="2410909" y="2473325"/>
+            <a:ext cx="5372124" cy="3055605"/>
+          </a:xfrm>
+          <a:prstGeom prst="straightConnector1">
+            <a:avLst/>
+          </a:prstGeom>
+          <a:ln>
+            <a:solidFill>
+              <a:schemeClr val="accent6"/>
+            </a:solidFill>
+            <a:tailEnd type="triangle"/>
+          </a:ln>
+        </p:spPr>
+        <p:style>
+          <a:lnRef idx="1">
+            <a:schemeClr val="accent1"/>
+          </a:lnRef>
+          <a:fillRef idx="0">
+            <a:schemeClr val="accent1"/>
+          </a:fillRef>
+          <a:effectRef idx="0">
+            <a:schemeClr val="accent1"/>
+          </a:effectRef>
+          <a:fontRef idx="minor">
+            <a:schemeClr val="tx1"/>
+          </a:fontRef>
+        </p:style>
+      </p:cxnSp>
+      <p:cxnSp>
+        <p:nvCxnSpPr>
+          <p:cNvPr id="30" name="Straight Arrow Connector 29">
+            <a:extLst>
+              <a:ext uri="{FF2B5EF4-FFF2-40B4-BE49-F238E27FC236}">
+                <a16:creationId xmlns:a16="http://schemas.microsoft.com/office/drawing/2014/main" id="{5B1396BA-2510-9191-8F85-ED587EE0F3A8}"/>
+              </a:ext>
+            </a:extLst>
+          </p:cNvPr>
+          <p:cNvCxnSpPr/>
+          <p:nvPr/>
+        </p:nvCxnSpPr>
+        <p:spPr>
+          <a:xfrm flipH="1">
+            <a:off x="3806456" y="2382252"/>
+            <a:ext cx="4221125" cy="2646948"/>
+          </a:xfrm>
+          <a:prstGeom prst="straightConnector1">
+            <a:avLst/>
+          </a:prstGeom>
+          <a:ln>
+            <a:solidFill>
+              <a:schemeClr val="bg1">
+                <a:lumMod val="50000"/>
+              </a:schemeClr>
+            </a:solidFill>
+            <a:tailEnd type="triangle"/>
+          </a:ln>
+        </p:spPr>
+        <p:style>
+          <a:lnRef idx="1">
+            <a:schemeClr val="accent1"/>
+          </a:lnRef>
+          <a:fillRef idx="0">
+            <a:schemeClr val="accent1"/>
+          </a:fillRef>
+          <a:effectRef idx="0">
+            <a:schemeClr val="accent1"/>
+          </a:effectRef>
+          <a:fontRef idx="minor">
+            <a:schemeClr val="tx1"/>
+          </a:fontRef>
+        </p:style>
+      </p:cxnSp>
+      <p:cxnSp>
+        <p:nvCxnSpPr>
+          <p:cNvPr id="32" name="Straight Arrow Connector 31">
+            <a:extLst>
+              <a:ext uri="{FF2B5EF4-FFF2-40B4-BE49-F238E27FC236}">
+                <a16:creationId xmlns:a16="http://schemas.microsoft.com/office/drawing/2014/main" id="{BF4180D6-23C4-9C3F-27FE-6ED346997AFB}"/>
+              </a:ext>
+            </a:extLst>
+          </p:cNvPr>
+          <p:cNvCxnSpPr/>
+          <p:nvPr/>
+        </p:nvCxnSpPr>
+        <p:spPr>
+          <a:xfrm flipH="1">
+            <a:off x="7783033" y="2382252"/>
+            <a:ext cx="616688" cy="2944660"/>
+          </a:xfrm>
+          <a:prstGeom prst="straightConnector1">
+            <a:avLst/>
+          </a:prstGeom>
+          <a:ln>
+            <a:solidFill>
+              <a:schemeClr val="bg1">
+                <a:lumMod val="50000"/>
+              </a:schemeClr>
+            </a:solidFill>
+            <a:tailEnd type="triangle"/>
+          </a:ln>
+        </p:spPr>
+        <p:style>
+          <a:lnRef idx="1">
+            <a:schemeClr val="accent1"/>
+          </a:lnRef>
+          <a:fillRef idx="0">
+            <a:schemeClr val="accent1"/>
+          </a:fillRef>
+          <a:effectRef idx="0">
+            <a:schemeClr val="accent1"/>
+          </a:effectRef>
+          <a:fontRef idx="minor">
+            <a:schemeClr val="tx1"/>
+          </a:fontRef>
+        </p:style>
+      </p:cxnSp>
     </p:spTree>
     <p:extLst>
       <p:ext uri="{BB962C8B-B14F-4D97-AF65-F5344CB8AC3E}">
-        <p14:creationId xmlns:p14="http://schemas.microsoft.com/office/powerpoint/2010/main" val="3288839966"/>
+        <p14:creationId xmlns:p14="http://schemas.microsoft.com/office/powerpoint/2010/main" val="522429758"/>
       </p:ext>
     </p:extLst>
   </p:cSld>
